--- a/Planning/Planning.pptx
+++ b/Planning/Planning.pptx
@@ -14907,7 +14907,6 @@
               <a:rPr lang="en-US"/>
               <a:t>Thomas Sauter</a:t>
             </a:r>
-            <a:endParaRPr lang="en-US"/>
           </a:p>
         </p:txBody>
       </p:sp>
@@ -15549,7 +15548,6 @@
               <a:rPr lang="en-US" dirty="0"/>
               <a:t>Thomas Sauter</a:t>
             </a:r>
-            <a:endParaRPr lang="en-US" dirty="0"/>
           </a:p>
         </p:txBody>
       </p:sp>
@@ -18650,10 +18648,14 @@
           <a:p>
             <a:pPr algn="r"/>
             <a:r>
-              <a:rPr lang="de-DE" altLang="en-US" sz="1400"/>
-              <a:t>Ende: Juli 2017</a:t>
+              <a:rPr lang="de-DE" altLang="en-US" sz="1400" dirty="0"/>
+              <a:t>Ende: </a:t>
             </a:r>
-            <a:endParaRPr lang="en-US" altLang="en-US" sz="1400"/>
+            <a:r>
+              <a:rPr lang="de-DE" altLang="en-US" sz="1400" dirty="0" smtClean="0"/>
+              <a:t>September 2017</a:t>
+            </a:r>
+            <a:endParaRPr lang="en-US" altLang="en-US" sz="1400" dirty="0"/>
           </a:p>
         </p:txBody>
       </p:sp>
@@ -18738,15 +18740,6 @@
               </a:rPr>
               <a:t>Thomas Sauter</a:t>
             </a:r>
-            <a:endParaRPr lang="en-US" sz="1200" dirty="0">
-              <a:solidFill>
-                <a:schemeClr val="bg1">
-                  <a:lumMod val="50000"/>
-                </a:schemeClr>
-              </a:solidFill>
-              <a:latin typeface="+mn-lt"/>
-              <a:cs typeface="+mn-cs"/>
-            </a:endParaRPr>
           </a:p>
         </p:txBody>
       </p:sp>
@@ -19580,7 +19573,6 @@
               <a:rPr lang="en-US"/>
               <a:t>Thomas Sauter</a:t>
             </a:r>
-            <a:endParaRPr lang="en-US"/>
           </a:p>
         </p:txBody>
       </p:sp>
@@ -19915,19 +19907,7 @@
                 <a:latin typeface="+mn-lt"/>
                 <a:cs typeface="+mn-cs"/>
               </a:rPr>
-              <a:t> Übung 9 nach C++ </a:t>
-            </a:r>
-            <a:r>
-              <a:rPr lang="de-DE" sz="1100" dirty="0">
-                <a:solidFill>
-                  <a:schemeClr val="bg1">
-                    <a:lumMod val="50000"/>
-                  </a:schemeClr>
-                </a:solidFill>
-                <a:latin typeface="+mn-lt"/>
-                <a:cs typeface="+mn-cs"/>
-              </a:rPr>
-              <a:t>portieren</a:t>
+              <a:t> Übung 9 nach C++ portieren</a:t>
             </a:r>
           </a:p>
           <a:p>
@@ -19954,15 +19934,6 @@
               </a:rPr>
               <a:t>Observer implementieren</a:t>
             </a:r>
-            <a:endParaRPr lang="de-DE" sz="1100" dirty="0">
-              <a:solidFill>
-                <a:schemeClr val="bg1">
-                  <a:lumMod val="50000"/>
-                </a:schemeClr>
-              </a:solidFill>
-              <a:latin typeface="+mn-lt"/>
-              <a:cs typeface="+mn-cs"/>
-            </a:endParaRPr>
           </a:p>
           <a:p>
             <a:pPr marL="176213" indent="-176213" fontAlgn="auto">
@@ -22600,7 +22571,6 @@
               <a:rPr lang="en-US"/>
               <a:t>Thomas Sauter</a:t>
             </a:r>
-            <a:endParaRPr lang="en-US"/>
           </a:p>
         </p:txBody>
       </p:sp>
@@ -22777,7 +22747,6 @@
               <a:rPr lang="en-US"/>
               <a:t>Thomas Sauter</a:t>
             </a:r>
-            <a:endParaRPr lang="en-US"/>
           </a:p>
         </p:txBody>
       </p:sp>
@@ -28250,7 +28219,6 @@
               <a:rPr lang="en-US"/>
               <a:t>Thomas Sauter</a:t>
             </a:r>
-            <a:endParaRPr lang="en-US"/>
           </a:p>
         </p:txBody>
       </p:sp>
@@ -34789,7 +34757,6 @@
               <a:rPr lang="en-US"/>
               <a:t>Thomas Sauter</a:t>
             </a:r>
-            <a:endParaRPr lang="en-US"/>
           </a:p>
         </p:txBody>
       </p:sp>
